--- a/dapr-apim-sample-figures.pptx
+++ b/dapr-apim-sample-figures.pptx
@@ -104,6 +104,11 @@
       </a:defRPr>
     </a:lvl9pPr>
   </p:defaultTextStyle>
+  <p:extLst>
+    <p:ext uri="{EFAFB233-063F-42B5-8137-9DF3F51BA10A}">
+      <p15:sldGuideLst xmlns:p15="http://schemas.microsoft.com/office/powerpoint/2012/main"/>
+    </p:ext>
+  </p:extLst>
 </p:presentation>
 </file>
 
@@ -256,7 +261,7 @@
           <a:p>
             <a:fld id="{C27EBCFD-73E0-4536-B5BB-CB3460B4828F}" type="datetimeFigureOut">
               <a:rPr lang="en-NL" smtClean="0"/>
-              <a:t>17/01/2021</a:t>
+              <a:t>25/01/2021</a:t>
             </a:fld>
             <a:endParaRPr lang="en-NL"/>
           </a:p>
@@ -456,7 +461,7 @@
           <a:p>
             <a:fld id="{C27EBCFD-73E0-4536-B5BB-CB3460B4828F}" type="datetimeFigureOut">
               <a:rPr lang="en-NL" smtClean="0"/>
-              <a:t>17/01/2021</a:t>
+              <a:t>25/01/2021</a:t>
             </a:fld>
             <a:endParaRPr lang="en-NL"/>
           </a:p>
@@ -666,7 +671,7 @@
           <a:p>
             <a:fld id="{C27EBCFD-73E0-4536-B5BB-CB3460B4828F}" type="datetimeFigureOut">
               <a:rPr lang="en-NL" smtClean="0"/>
-              <a:t>17/01/2021</a:t>
+              <a:t>25/01/2021</a:t>
             </a:fld>
             <a:endParaRPr lang="en-NL"/>
           </a:p>
@@ -866,7 +871,7 @@
           <a:p>
             <a:fld id="{C27EBCFD-73E0-4536-B5BB-CB3460B4828F}" type="datetimeFigureOut">
               <a:rPr lang="en-NL" smtClean="0"/>
-              <a:t>17/01/2021</a:t>
+              <a:t>25/01/2021</a:t>
             </a:fld>
             <a:endParaRPr lang="en-NL"/>
           </a:p>
@@ -1142,7 +1147,7 @@
           <a:p>
             <a:fld id="{C27EBCFD-73E0-4536-B5BB-CB3460B4828F}" type="datetimeFigureOut">
               <a:rPr lang="en-NL" smtClean="0"/>
-              <a:t>17/01/2021</a:t>
+              <a:t>25/01/2021</a:t>
             </a:fld>
             <a:endParaRPr lang="en-NL"/>
           </a:p>
@@ -1410,7 +1415,7 @@
           <a:p>
             <a:fld id="{C27EBCFD-73E0-4536-B5BB-CB3460B4828F}" type="datetimeFigureOut">
               <a:rPr lang="en-NL" smtClean="0"/>
-              <a:t>17/01/2021</a:t>
+              <a:t>25/01/2021</a:t>
             </a:fld>
             <a:endParaRPr lang="en-NL"/>
           </a:p>
@@ -1825,7 +1830,7 @@
           <a:p>
             <a:fld id="{C27EBCFD-73E0-4536-B5BB-CB3460B4828F}" type="datetimeFigureOut">
               <a:rPr lang="en-NL" smtClean="0"/>
-              <a:t>17/01/2021</a:t>
+              <a:t>25/01/2021</a:t>
             </a:fld>
             <a:endParaRPr lang="en-NL"/>
           </a:p>
@@ -1967,7 +1972,7 @@
           <a:p>
             <a:fld id="{C27EBCFD-73E0-4536-B5BB-CB3460B4828F}" type="datetimeFigureOut">
               <a:rPr lang="en-NL" smtClean="0"/>
-              <a:t>17/01/2021</a:t>
+              <a:t>25/01/2021</a:t>
             </a:fld>
             <a:endParaRPr lang="en-NL"/>
           </a:p>
@@ -2080,7 +2085,7 @@
           <a:p>
             <a:fld id="{C27EBCFD-73E0-4536-B5BB-CB3460B4828F}" type="datetimeFigureOut">
               <a:rPr lang="en-NL" smtClean="0"/>
-              <a:t>17/01/2021</a:t>
+              <a:t>25/01/2021</a:t>
             </a:fld>
             <a:endParaRPr lang="en-NL"/>
           </a:p>
@@ -2393,7 +2398,7 @@
           <a:p>
             <a:fld id="{C27EBCFD-73E0-4536-B5BB-CB3460B4828F}" type="datetimeFigureOut">
               <a:rPr lang="en-NL" smtClean="0"/>
-              <a:t>17/01/2021</a:t>
+              <a:t>25/01/2021</a:t>
             </a:fld>
             <a:endParaRPr lang="en-NL"/>
           </a:p>
@@ -2682,7 +2687,7 @@
           <a:p>
             <a:fld id="{C27EBCFD-73E0-4536-B5BB-CB3460B4828F}" type="datetimeFigureOut">
               <a:rPr lang="en-NL" smtClean="0"/>
-              <a:t>17/01/2021</a:t>
+              <a:t>25/01/2021</a:t>
             </a:fld>
             <a:endParaRPr lang="en-NL"/>
           </a:p>
@@ -2925,7 +2930,7 @@
           <a:p>
             <a:fld id="{C27EBCFD-73E0-4536-B5BB-CB3460B4828F}" type="datetimeFigureOut">
               <a:rPr lang="en-NL" smtClean="0"/>
-              <a:t>17/01/2021</a:t>
+              <a:t>25/01/2021</a:t>
             </a:fld>
             <a:endParaRPr lang="en-NL"/>
           </a:p>
@@ -3356,8 +3361,8 @@
         </p:nvSpPr>
         <p:spPr>
           <a:xfrm>
-            <a:off x="2819400" y="1644650"/>
-            <a:ext cx="3663950" cy="3765550"/>
+            <a:off x="1767840" y="1644650"/>
+            <a:ext cx="4761230" cy="3765550"/>
           </a:xfrm>
           <a:prstGeom prst="rect">
             <a:avLst/>
@@ -3408,8 +3413,8 @@
         </p:nvSpPr>
         <p:spPr>
           <a:xfrm>
-            <a:off x="2887020" y="1724834"/>
-            <a:ext cx="3506309" cy="845894"/>
+            <a:off x="1870746" y="1724834"/>
+            <a:ext cx="4522584" cy="845894"/>
           </a:xfrm>
           <a:prstGeom prst="rect">
             <a:avLst/>
@@ -3480,8 +3485,8 @@
         </p:nvSpPr>
         <p:spPr>
           <a:xfrm>
-            <a:off x="2887020" y="3001651"/>
-            <a:ext cx="3506309" cy="2301781"/>
+            <a:off x="1870746" y="3001651"/>
+            <a:ext cx="4522584" cy="2301781"/>
           </a:xfrm>
           <a:prstGeom prst="rect">
             <a:avLst/>
@@ -3566,7 +3571,7 @@
         </p:blipFill>
         <p:spPr>
           <a:xfrm>
-            <a:off x="2899407" y="3028462"/>
+            <a:off x="1886605" y="3028462"/>
             <a:ext cx="346910" cy="346910"/>
           </a:xfrm>
           <a:prstGeom prst="rect">
@@ -3588,8 +3593,8 @@
         </p:nvSpPr>
         <p:spPr>
           <a:xfrm>
-            <a:off x="3391846" y="4243268"/>
-            <a:ext cx="2276011" cy="907324"/>
+            <a:off x="3391846" y="4294747"/>
+            <a:ext cx="2276011" cy="804366"/>
           </a:xfrm>
           <a:prstGeom prst="roundRect">
             <a:avLst/>
@@ -3888,8 +3893,8 @@
         </p:nvSpPr>
         <p:spPr>
           <a:xfrm>
-            <a:off x="3391847" y="3142209"/>
-            <a:ext cx="2276012" cy="907324"/>
+            <a:off x="3391847" y="3193688"/>
+            <a:ext cx="2276012" cy="804366"/>
           </a:xfrm>
           <a:prstGeom prst="roundRect">
             <a:avLst/>
@@ -4254,14 +4259,12 @@
           </p:cNvPr>
           <p:cNvCxnSpPr>
             <a:cxnSpLocks/>
-            <a:stCxn id="46" idx="2"/>
-            <a:endCxn id="36" idx="0"/>
           </p:cNvCxnSpPr>
           <p:nvPr/>
         </p:nvCxnSpPr>
         <p:spPr>
           <a:xfrm flipH="1">
-            <a:off x="5180102" y="3897738"/>
+            <a:off x="5287649" y="3897738"/>
             <a:ext cx="74" cy="510056"/>
           </a:xfrm>
           <a:prstGeom prst="straightConnector1">
@@ -4270,7 +4273,7 @@
           <a:noFill/>
           <a:ln w="12700" cap="flat" cmpd="sng" algn="ctr">
             <a:solidFill>
-              <a:srgbClr val="133561"/>
+              <a:schemeClr val="tx1"/>
             </a:solidFill>
             <a:prstDash val="solid"/>
             <a:miter lim="800000"/>
@@ -4393,7 +4396,7 @@
         </p:blipFill>
         <p:spPr>
           <a:xfrm>
-            <a:off x="2921865" y="1706381"/>
+            <a:off x="1935701" y="1706381"/>
             <a:ext cx="346911" cy="346911"/>
           </a:xfrm>
           <a:prstGeom prst="rect">
@@ -4427,7 +4430,7 @@
           <a:noFill/>
           <a:ln w="12700" cap="flat" cmpd="sng" algn="ctr">
             <a:solidFill>
-              <a:srgbClr val="133561"/>
+              <a:schemeClr val="tx1"/>
             </a:solidFill>
             <a:prstDash val="solid"/>
             <a:miter lim="800000"/>
@@ -5036,6 +5039,367 @@
           </a:p>
         </p:txBody>
       </p:sp>
+      <p:grpSp>
+        <p:nvGrpSpPr>
+          <p:cNvPr id="38" name="Group 37">
+            <a:extLst>
+              <a:ext uri="{FF2B5EF4-FFF2-40B4-BE49-F238E27FC236}">
+                <a16:creationId xmlns:a16="http://schemas.microsoft.com/office/drawing/2014/main" id="{7559A17E-2A23-4F94-BA6F-65C557BDA7D6}"/>
+              </a:ext>
+            </a:extLst>
+          </p:cNvPr>
+          <p:cNvGrpSpPr/>
+          <p:nvPr/>
+        </p:nvGrpSpPr>
+        <p:grpSpPr>
+          <a:xfrm>
+            <a:off x="2013289" y="3527425"/>
+            <a:ext cx="1126143" cy="1088742"/>
+            <a:chOff x="5081399" y="-3443"/>
+            <a:chExt cx="1126143" cy="1088742"/>
+          </a:xfrm>
+        </p:grpSpPr>
+        <p:sp>
+          <p:nvSpPr>
+            <p:cNvPr id="39" name="Rectangle: Rounded Corners 38">
+              <a:extLst>
+                <a:ext uri="{FF2B5EF4-FFF2-40B4-BE49-F238E27FC236}">
+                  <a16:creationId xmlns:a16="http://schemas.microsoft.com/office/drawing/2014/main" id="{A9907AF7-A25E-4E16-A186-290F000C57E4}"/>
+                </a:ext>
+              </a:extLst>
+            </p:cNvPr>
+            <p:cNvSpPr/>
+            <p:nvPr/>
+          </p:nvSpPr>
+          <p:spPr>
+            <a:xfrm>
+              <a:off x="5081399" y="135258"/>
+              <a:ext cx="988984" cy="950041"/>
+            </a:xfrm>
+            <a:prstGeom prst="roundRect">
+              <a:avLst/>
+            </a:prstGeom>
+            <a:solidFill>
+              <a:schemeClr val="bg1">
+                <a:lumMod val="85000"/>
+              </a:schemeClr>
+            </a:solidFill>
+            <a:ln>
+              <a:solidFill>
+                <a:schemeClr val="tx1"/>
+              </a:solidFill>
+            </a:ln>
+          </p:spPr>
+          <p:style>
+            <a:lnRef idx="2">
+              <a:schemeClr val="accent1">
+                <a:shade val="50000"/>
+              </a:schemeClr>
+            </a:lnRef>
+            <a:fillRef idx="1">
+              <a:schemeClr val="accent1"/>
+            </a:fillRef>
+            <a:effectRef idx="0">
+              <a:schemeClr val="accent1"/>
+            </a:effectRef>
+            <a:fontRef idx="minor">
+              <a:schemeClr val="lt1"/>
+            </a:fontRef>
+          </p:style>
+          <p:txBody>
+            <a:bodyPr rtlCol="0" anchor="ctr"/>
+            <a:lstStyle/>
+            <a:p>
+              <a:pPr algn="ctr"/>
+              <a:endParaRPr lang="en-NL"/>
+            </a:p>
+          </p:txBody>
+        </p:sp>
+        <p:pic>
+          <p:nvPicPr>
+            <p:cNvPr id="40" name="Picture 39">
+              <a:extLst>
+                <a:ext uri="{FF2B5EF4-FFF2-40B4-BE49-F238E27FC236}">
+                  <a16:creationId xmlns:a16="http://schemas.microsoft.com/office/drawing/2014/main" id="{FD05EF5E-148C-46CE-98ED-8A45BA912259}"/>
+                </a:ext>
+              </a:extLst>
+            </p:cNvPr>
+            <p:cNvPicPr>
+              <a:picLocks noChangeAspect="1"/>
+            </p:cNvPicPr>
+            <p:nvPr/>
+          </p:nvPicPr>
+          <p:blipFill>
+            <a:blip r:embed="rId8">
+              <a:extLst>
+                <a:ext uri="{28A0092B-C50C-407E-A947-70E740481C1C}">
+                  <a14:useLocalDpi xmlns:a14="http://schemas.microsoft.com/office/drawing/2010/main" val="0"/>
+                </a:ext>
+              </a:extLst>
+            </a:blip>
+            <a:stretch>
+              <a:fillRect/>
+            </a:stretch>
+          </p:blipFill>
+          <p:spPr>
+            <a:xfrm>
+              <a:off x="5906264" y="-3443"/>
+              <a:ext cx="301278" cy="301278"/>
+            </a:xfrm>
+            <a:prstGeom prst="rect">
+              <a:avLst/>
+            </a:prstGeom>
+          </p:spPr>
+        </p:pic>
+        <p:grpSp>
+          <p:nvGrpSpPr>
+            <p:cNvPr id="41" name="Group 40">
+              <a:extLst>
+                <a:ext uri="{FF2B5EF4-FFF2-40B4-BE49-F238E27FC236}">
+                  <a16:creationId xmlns:a16="http://schemas.microsoft.com/office/drawing/2014/main" id="{21ECE718-98AA-494E-9FAA-342455693F4F}"/>
+                </a:ext>
+              </a:extLst>
+            </p:cNvPr>
+            <p:cNvGrpSpPr/>
+            <p:nvPr/>
+          </p:nvGrpSpPr>
+          <p:grpSpPr>
+            <a:xfrm>
+              <a:off x="5275165" y="340484"/>
+              <a:ext cx="605800" cy="590340"/>
+              <a:chOff x="3279545" y="2532777"/>
+              <a:chExt cx="605800" cy="590340"/>
+            </a:xfrm>
+          </p:grpSpPr>
+          <p:sp>
+            <p:nvSpPr>
+              <p:cNvPr id="42" name="Rectangle 41">
+                <a:extLst>
+                  <a:ext uri="{FF2B5EF4-FFF2-40B4-BE49-F238E27FC236}">
+                    <a16:creationId xmlns:a16="http://schemas.microsoft.com/office/drawing/2014/main" id="{B61B3D29-D02B-4719-9DD9-15777C8C3625}"/>
+                  </a:ext>
+                </a:extLst>
+              </p:cNvPr>
+              <p:cNvSpPr/>
+              <p:nvPr/>
+            </p:nvSpPr>
+            <p:spPr>
+              <a:xfrm>
+                <a:off x="3279545" y="2532777"/>
+                <a:ext cx="605800" cy="590340"/>
+              </a:xfrm>
+              <a:prstGeom prst="rect">
+                <a:avLst/>
+              </a:prstGeom>
+              <a:solidFill>
+                <a:srgbClr val="00B0F0"/>
+              </a:solidFill>
+              <a:ln w="12700" cap="flat" cmpd="sng" algn="ctr">
+                <a:solidFill>
+                  <a:srgbClr val="4472C4">
+                    <a:shade val="50000"/>
+                  </a:srgbClr>
+                </a:solidFill>
+                <a:prstDash val="solid"/>
+                <a:miter lim="800000"/>
+              </a:ln>
+              <a:effectLst/>
+            </p:spPr>
+            <p:txBody>
+              <a:bodyPr rtlCol="0" anchor="t"/>
+              <a:lstStyle/>
+              <a:p>
+                <a:pPr marL="0" marR="0" lvl="0" indent="0" algn="ctr" defTabSz="914400" eaLnBrk="1" fontAlgn="auto" latinLnBrk="0" hangingPunct="1">
+                  <a:lnSpc>
+                    <a:spcPct val="100000"/>
+                  </a:lnSpc>
+                  <a:spcBef>
+                    <a:spcPts val="0"/>
+                  </a:spcBef>
+                  <a:spcAft>
+                    <a:spcPts val="0"/>
+                  </a:spcAft>
+                  <a:buClrTx/>
+                  <a:buSzTx/>
+                  <a:buFontTx/>
+                  <a:buNone/>
+                  <a:tabLst/>
+                  <a:defRPr/>
+                </a:pPr>
+                <a:r>
+                  <a:rPr kumimoji="0" lang="nl-NL" sz="1100" b="1" i="0" u="none" strike="noStrike" kern="0" cap="none" spc="0" normalizeH="0" baseline="0" noProof="0" err="1">
+                    <a:ln>
+                      <a:noFill/>
+                    </a:ln>
+                    <a:solidFill>
+                      <a:prstClr val="white"/>
+                    </a:solidFill>
+                    <a:effectLst/>
+                    <a:uLnTx/>
+                    <a:uFillTx/>
+                    <a:latin typeface="Calibri" panose="020F0502020204030204"/>
+                    <a:ea typeface="+mn-ea"/>
+                    <a:cs typeface="+mn-cs"/>
+                  </a:rPr>
+                  <a:t>Redis</a:t>
+                </a:r>
+                <a:endParaRPr kumimoji="0" lang="nl-NL" sz="1100" b="1" i="0" u="none" strike="noStrike" kern="0" cap="none" spc="0" normalizeH="0" baseline="0" noProof="0">
+                  <a:ln>
+                    <a:noFill/>
+                  </a:ln>
+                  <a:solidFill>
+                    <a:prstClr val="white"/>
+                  </a:solidFill>
+                  <a:effectLst/>
+                  <a:uLnTx/>
+                  <a:uFillTx/>
+                  <a:latin typeface="Calibri" panose="020F0502020204030204"/>
+                  <a:ea typeface="+mn-ea"/>
+                  <a:cs typeface="+mn-cs"/>
+                </a:endParaRPr>
+              </a:p>
+              <a:p>
+                <a:pPr marL="0" marR="0" lvl="0" indent="0" algn="ctr" defTabSz="914400" eaLnBrk="1" fontAlgn="auto" latinLnBrk="0" hangingPunct="1">
+                  <a:lnSpc>
+                    <a:spcPct val="100000"/>
+                  </a:lnSpc>
+                  <a:spcBef>
+                    <a:spcPts val="0"/>
+                  </a:spcBef>
+                  <a:spcAft>
+                    <a:spcPts val="0"/>
+                  </a:spcAft>
+                  <a:buClrTx/>
+                  <a:buSzTx/>
+                  <a:buFontTx/>
+                  <a:buNone/>
+                  <a:tabLst/>
+                  <a:defRPr/>
+                </a:pPr>
+                <a:endParaRPr kumimoji="0" lang="en-US" sz="1100" b="1" i="0" u="none" strike="noStrike" kern="0" cap="none" spc="0" normalizeH="0" baseline="0" noProof="0">
+                  <a:ln>
+                    <a:noFill/>
+                  </a:ln>
+                  <a:solidFill>
+                    <a:prstClr val="white"/>
+                  </a:solidFill>
+                  <a:effectLst/>
+                  <a:uLnTx/>
+                  <a:uFillTx/>
+                  <a:latin typeface="Calibri" panose="020F0502020204030204"/>
+                  <a:ea typeface="+mn-ea"/>
+                  <a:cs typeface="+mn-cs"/>
+                </a:endParaRPr>
+              </a:p>
+            </p:txBody>
+          </p:sp>
+          <p:pic>
+            <p:nvPicPr>
+              <p:cNvPr id="49" name="Picture 48">
+                <a:extLst>
+                  <a:ext uri="{FF2B5EF4-FFF2-40B4-BE49-F238E27FC236}">
+                    <a16:creationId xmlns:a16="http://schemas.microsoft.com/office/drawing/2014/main" id="{9C82A019-3A48-404E-8EF1-F0BEDAB30C8A}"/>
+                  </a:ext>
+                </a:extLst>
+              </p:cNvPr>
+              <p:cNvPicPr>
+                <a:picLocks noChangeAspect="1"/>
+              </p:cNvPicPr>
+              <p:nvPr/>
+            </p:nvPicPr>
+            <p:blipFill rotWithShape="1">
+              <a:blip r:embed="rId9">
+                <a:extLst>
+                  <a:ext uri="{28A0092B-C50C-407E-A947-70E740481C1C}">
+                    <a14:useLocalDpi xmlns:a14="http://schemas.microsoft.com/office/drawing/2010/main" val="0"/>
+                  </a:ext>
+                </a:extLst>
+              </a:blip>
+              <a:srcRect l="26794" t="21698" r="26794" b="21698"/>
+              <a:stretch/>
+            </p:blipFill>
+            <p:spPr>
+              <a:xfrm>
+                <a:off x="3432187" y="2750612"/>
+                <a:ext cx="319158" cy="268578"/>
+              </a:xfrm>
+              <a:prstGeom prst="rect">
+                <a:avLst/>
+              </a:prstGeom>
+            </p:spPr>
+          </p:pic>
+        </p:grpSp>
+      </p:grpSp>
+      <p:cxnSp>
+        <p:nvCxnSpPr>
+          <p:cNvPr id="5" name="Connector: Elbow 4">
+            <a:extLst>
+              <a:ext uri="{FF2B5EF4-FFF2-40B4-BE49-F238E27FC236}">
+                <a16:creationId xmlns:a16="http://schemas.microsoft.com/office/drawing/2014/main" id="{916AA3B3-D92F-4EB4-B5D1-8997AA7831F7}"/>
+              </a:ext>
+            </a:extLst>
+          </p:cNvPr>
+          <p:cNvCxnSpPr/>
+          <p:nvPr/>
+        </p:nvCxnSpPr>
+        <p:spPr>
+          <a:xfrm rot="10800000" flipV="1">
+            <a:off x="2819401" y="3897737"/>
+            <a:ext cx="2197989" cy="191449"/>
+          </a:xfrm>
+          <a:prstGeom prst="bentConnector3">
+            <a:avLst>
+              <a:gd name="adj1" fmla="val 172"/>
+            </a:avLst>
+          </a:prstGeom>
+          <a:noFill/>
+          <a:ln w="12700" cap="flat" cmpd="sng" algn="ctr">
+            <a:solidFill>
+              <a:schemeClr val="tx1"/>
+            </a:solidFill>
+            <a:prstDash val="solid"/>
+            <a:miter lim="800000"/>
+            <a:tailEnd type="triangle"/>
+          </a:ln>
+          <a:effectLst/>
+        </p:spPr>
+      </p:cxnSp>
+      <p:cxnSp>
+        <p:nvCxnSpPr>
+          <p:cNvPr id="9" name="Connector: Elbow 8">
+            <a:extLst>
+              <a:ext uri="{FF2B5EF4-FFF2-40B4-BE49-F238E27FC236}">
+                <a16:creationId xmlns:a16="http://schemas.microsoft.com/office/drawing/2014/main" id="{F89F70B2-059C-49DE-8CE5-8D1B8650235F}"/>
+              </a:ext>
+            </a:extLst>
+          </p:cNvPr>
+          <p:cNvCxnSpPr>
+            <a:cxnSpLocks/>
+          </p:cNvCxnSpPr>
+          <p:nvPr/>
+        </p:nvCxnSpPr>
+        <p:spPr>
+          <a:xfrm>
+            <a:off x="2817019" y="4207669"/>
+            <a:ext cx="2200370" cy="200124"/>
+          </a:xfrm>
+          <a:prstGeom prst="bentConnector3">
+            <a:avLst>
+              <a:gd name="adj1" fmla="val 99998"/>
+            </a:avLst>
+          </a:prstGeom>
+          <a:noFill/>
+          <a:ln w="12700" cap="flat" cmpd="sng" algn="ctr">
+            <a:solidFill>
+              <a:schemeClr val="tx1"/>
+            </a:solidFill>
+            <a:prstDash val="solid"/>
+            <a:miter lim="800000"/>
+            <a:tailEnd type="triangle"/>
+          </a:ln>
+          <a:effectLst/>
+        </p:spPr>
+      </p:cxnSp>
     </p:spTree>
     <p:extLst>
       <p:ext uri="{BB962C8B-B14F-4D97-AF65-F5344CB8AC3E}">
